--- a/第八篇_分布式系统.pptx
+++ b/第八篇_分布式系统.pptx
@@ -7,13 +7,14 @@
     <p:sldMasterId id="2147483672" r:id="rId4"/>
   </p:sldMasterIdLst>
   <p:notesMasterIdLst>
-    <p:notesMasterId r:id="rId9"/>
+    <p:notesMasterId r:id="rId10"/>
   </p:notesMasterIdLst>
   <p:sldIdLst>
     <p:sldId id="615" r:id="rId5"/>
-    <p:sldId id="618" r:id="rId6"/>
-    <p:sldId id="617" r:id="rId7"/>
-    <p:sldId id="616" r:id="rId8"/>
+    <p:sldId id="621" r:id="rId6"/>
+    <p:sldId id="618" r:id="rId7"/>
+    <p:sldId id="617" r:id="rId8"/>
+    <p:sldId id="616" r:id="rId9"/>
   </p:sldIdLst>
   <p:sldSz cx="9144000" cy="6858000" type="screen4x3"/>
   <p:notesSz cx="6858000" cy="9144000"/>
@@ -11027,254 +11028,33 @@
           </a:p>
         </p:txBody>
       </p:sp>
-      <p:sp>
-        <p:nvSpPr>
-          <p:cNvPr id="16" name="内容占位符 15"/>
-          <p:cNvSpPr>
-            <a:spLocks noGrp="1"/>
-          </p:cNvSpPr>
-          <p:nvPr>
-            <p:ph idx="1"/>
-            <p:custDataLst>
-              <p:tags r:id="rId2"/>
-            </p:custDataLst>
-          </p:nvPr>
-        </p:nvSpPr>
-        <p:spPr/>
-        <p:txBody>
-          <a:bodyPr/>
-          <a:p>
-            <a:pPr marL="342900" indent="-342900" algn="just">
-              <a:lnSpc>
-                <a:spcPct val="120000"/>
-              </a:lnSpc>
-              <a:buClr>
-                <a:schemeClr val="accent1"/>
-              </a:buClr>
-              <a:buSzTx/>
-              <a:buFont typeface="Wingdings" panose="05000000000000000000" pitchFamily="2" charset="2"/>
-              <a:buBlip>
-                <a:blip r:embed="rId3"/>
-              </a:buBlip>
-            </a:pPr>
-            <a:r>
-              <a:rPr lang="en-US" altLang="zh-CN" smtClean="0"/>
-              <a:t>1.</a:t>
-            </a:r>
-            <a:r>
-              <a:rPr lang="zh-CN" altLang="en-US">
-                <a:sym typeface="+mn-ea"/>
-              </a:rPr>
-              <a:t>中国</a:t>
-            </a:r>
-            <a:r>
-              <a:rPr lang="en-US" altLang="zh-CN">
-                <a:sym typeface="+mn-ea"/>
-              </a:rPr>
-              <a:t>IM</a:t>
-            </a:r>
-            <a:r>
-              <a:rPr lang="zh-CN" altLang="en-US">
-                <a:sym typeface="+mn-ea"/>
-              </a:rPr>
-              <a:t>发展史</a:t>
-            </a:r>
-            <a:endParaRPr lang="zh-CN" altLang="en-US" smtClean="0">
-              <a:sym typeface="+mn-ea"/>
-            </a:endParaRPr>
-          </a:p>
-          <a:p>
-            <a:pPr marL="342900" indent="-342900" algn="just">
-              <a:lnSpc>
-                <a:spcPct val="120000"/>
-              </a:lnSpc>
-              <a:buClr>
-                <a:schemeClr val="accent1"/>
-              </a:buClr>
-              <a:buSzTx/>
-              <a:buFont typeface="Wingdings" panose="05000000000000000000" pitchFamily="2" charset="2"/>
-              <a:buBlip>
-                <a:blip r:embed="rId3"/>
-              </a:buBlip>
-            </a:pPr>
-            <a:r>
-              <a:rPr lang="en-US" altLang="zh-CN" smtClean="0"/>
-              <a:t>2.</a:t>
-            </a:r>
-            <a:r>
-              <a:rPr lang="zh-CN" altLang="en-US" smtClean="0"/>
-              <a:t>移动</a:t>
-            </a:r>
-            <a:r>
-              <a:rPr lang="en-US" altLang="zh-CN" smtClean="0"/>
-              <a:t>IM</a:t>
-            </a:r>
-            <a:r>
-              <a:rPr lang="zh-CN" altLang="en-US" smtClean="0"/>
-              <a:t>产品发展历程</a:t>
-            </a:r>
-            <a:endParaRPr lang="zh-CN" altLang="en-US" smtClean="0"/>
-          </a:p>
-          <a:p>
-            <a:pPr marL="342900" indent="-342900" algn="just">
-              <a:lnSpc>
-                <a:spcPct val="120000"/>
-              </a:lnSpc>
-              <a:buClr>
-                <a:schemeClr val="accent1"/>
-              </a:buClr>
-              <a:buSzTx/>
-              <a:buFont typeface="Wingdings" panose="05000000000000000000" pitchFamily="2" charset="2"/>
-              <a:buBlip>
-                <a:blip r:embed="rId3"/>
-              </a:buBlip>
-            </a:pPr>
-            <a:r>
-              <a:rPr lang="en-US" altLang="zh-CN">
-                <a:sym typeface="+mn-ea"/>
-              </a:rPr>
-              <a:t>3.</a:t>
-            </a:r>
-            <a:r>
-              <a:rPr lang="zh-CN" altLang="en-US">
-                <a:sym typeface="+mn-ea"/>
-              </a:rPr>
-              <a:t>垂直类</a:t>
-            </a:r>
-            <a:r>
-              <a:rPr lang="en-US" altLang="zh-CN">
-                <a:sym typeface="+mn-ea"/>
-              </a:rPr>
-              <a:t>IM</a:t>
-            </a:r>
-            <a:r>
-              <a:rPr lang="zh-CN" altLang="en-US">
-                <a:sym typeface="+mn-ea"/>
-              </a:rPr>
-              <a:t>产品分析</a:t>
-            </a:r>
-            <a:endParaRPr lang="zh-CN" altLang="en-US">
-              <a:sym typeface="+mn-ea"/>
-            </a:endParaRPr>
-          </a:p>
-          <a:p>
-            <a:pPr marL="342900" indent="-342900" algn="just">
-              <a:lnSpc>
-                <a:spcPct val="120000"/>
-              </a:lnSpc>
-              <a:buClr>
-                <a:schemeClr val="accent1"/>
-              </a:buClr>
-              <a:buSzTx/>
-              <a:buFont typeface="Wingdings" panose="05000000000000000000" pitchFamily="2" charset="2"/>
-              <a:buBlip>
-                <a:blip r:embed="rId3"/>
-              </a:buBlip>
-            </a:pPr>
-            <a:r>
-              <a:rPr lang="en-US" altLang="zh-CN">
-                <a:sym typeface="+mn-ea"/>
-              </a:rPr>
-              <a:t>4.</a:t>
-            </a:r>
-            <a:r>
-              <a:rPr lang="zh-CN" altLang="en-US">
-                <a:sym typeface="+mn-ea"/>
-              </a:rPr>
-              <a:t>曾风靡一时的功能</a:t>
-            </a:r>
-            <a:endParaRPr lang="zh-CN" altLang="en-US">
-              <a:sym typeface="+mn-ea"/>
-            </a:endParaRPr>
-          </a:p>
-          <a:p>
-            <a:pPr marL="342900" indent="-342900" algn="just">
-              <a:lnSpc>
-                <a:spcPct val="120000"/>
-              </a:lnSpc>
-              <a:buClr>
-                <a:schemeClr val="accent1"/>
-              </a:buClr>
-              <a:buSzTx/>
-              <a:buFont typeface="Wingdings" panose="05000000000000000000" pitchFamily="2" charset="2"/>
-              <a:buBlip>
-                <a:blip r:embed="rId3"/>
-              </a:buBlip>
-            </a:pPr>
-            <a:r>
-              <a:rPr lang="en-US" altLang="zh-CN">
-                <a:sym typeface="+mn-ea"/>
-              </a:rPr>
-              <a:t>5.</a:t>
-            </a:r>
-            <a:r>
-              <a:rPr lang="zh-CN" altLang="en-US">
-                <a:sym typeface="+mn-ea"/>
-              </a:rPr>
-              <a:t>为什么需要</a:t>
-            </a:r>
-            <a:r>
-              <a:rPr lang="en-US" altLang="zh-CN">
-                <a:sym typeface="+mn-ea"/>
-              </a:rPr>
-              <a:t>IM</a:t>
-            </a:r>
-            <a:endParaRPr lang="en-US" altLang="zh-CN">
-              <a:sym typeface="+mn-ea"/>
-            </a:endParaRPr>
-          </a:p>
-          <a:p>
-            <a:pPr marL="342900" indent="-342900" algn="just">
-              <a:lnSpc>
-                <a:spcPct val="120000"/>
-              </a:lnSpc>
-              <a:buClr>
-                <a:schemeClr val="accent1"/>
-              </a:buClr>
-              <a:buSzTx/>
-              <a:buFont typeface="Wingdings" panose="05000000000000000000" pitchFamily="2" charset="2"/>
-              <a:buBlip>
-                <a:blip r:embed="rId3"/>
-              </a:buBlip>
-            </a:pPr>
-            <a:endParaRPr lang="zh-CN" altLang="en-US">
-              <a:sym typeface="+mn-ea"/>
-            </a:endParaRPr>
-          </a:p>
-          <a:p>
-            <a:pPr marL="342900" indent="-342900" algn="just">
-              <a:lnSpc>
-                <a:spcPct val="120000"/>
-              </a:lnSpc>
-              <a:buClr>
-                <a:schemeClr val="accent1"/>
-              </a:buClr>
-              <a:buSzTx/>
-              <a:buFont typeface="Wingdings" panose="05000000000000000000" pitchFamily="2" charset="2"/>
-              <a:buBlip>
-                <a:blip r:embed="rId3"/>
-              </a:buBlip>
-            </a:pPr>
-            <a:endParaRPr lang="zh-CN" altLang="en-US" smtClean="0"/>
-          </a:p>
-          <a:p>
-            <a:pPr algn="just">
-              <a:lnSpc>
-                <a:spcPct val="120000"/>
-              </a:lnSpc>
-              <a:buClr>
-                <a:schemeClr val="accent1"/>
-              </a:buClr>
-              <a:buSzTx/>
-              <a:buFont typeface="Wingdings" panose="05000000000000000000" pitchFamily="2" charset="2"/>
-            </a:pPr>
-            <a:endParaRPr lang="en-US" altLang="zh-CN" smtClean="0"/>
-          </a:p>
-        </p:txBody>
-      </p:sp>
+      <p:pic>
+        <p:nvPicPr>
+          <p:cNvPr id="2" name="图片 1" descr="(XU_[DSG62W[[OFG6Z}W59H"/>
+          <p:cNvPicPr>
+            <a:picLocks noChangeAspect="1"/>
+          </p:cNvPicPr>
+          <p:nvPr/>
+        </p:nvPicPr>
+        <p:blipFill>
+          <a:blip r:embed="rId2"/>
+          <a:stretch>
+            <a:fillRect/>
+          </a:stretch>
+        </p:blipFill>
+        <p:spPr>
+          <a:xfrm>
+            <a:off x="43180" y="989330"/>
+            <a:ext cx="9017000" cy="5264150"/>
+          </a:xfrm>
+          <a:prstGeom prst="rect">
+            <a:avLst/>
+          </a:prstGeom>
+        </p:spPr>
+      </p:pic>
     </p:spTree>
     <p:custDataLst>
-      <p:tags r:id="rId4"/>
+      <p:tags r:id="rId3"/>
     </p:custDataLst>
   </p:cSld>
   <p:clrMapOvr>
@@ -11306,15 +11086,47 @@
         </p:nvSpPr>
         <p:spPr/>
         <p:txBody>
-          <a:bodyPr/>
-          <a:p>
+          <a:bodyPr>
+            <a:normAutofit/>
+          </a:bodyPr>
+          <a:p>
+            <a:r>
+              <a:rPr lang="zh-CN" altLang="zh-CN">
+                <a:sym typeface="+mn-ea"/>
+              </a:rPr>
+              <a:t>中心化与去中心化</a:t>
+            </a:r>
             <a:endParaRPr lang="zh-CN" altLang="en-US"/>
           </a:p>
         </p:txBody>
       </p:sp>
+      <p:pic>
+        <p:nvPicPr>
+          <p:cNvPr id="6" name="图片 5"/>
+          <p:cNvPicPr>
+            <a:picLocks noChangeAspect="1"/>
+          </p:cNvPicPr>
+          <p:nvPr/>
+        </p:nvPicPr>
+        <p:blipFill>
+          <a:blip r:embed="rId1"/>
+          <a:stretch>
+            <a:fillRect/>
+          </a:stretch>
+        </p:blipFill>
+        <p:spPr>
+          <a:xfrm>
+            <a:off x="160020" y="894080"/>
+            <a:ext cx="8809990" cy="4541520"/>
+          </a:xfrm>
+          <a:prstGeom prst="rect">
+            <a:avLst/>
+          </a:prstGeom>
+        </p:spPr>
+      </p:pic>
     </p:spTree>
     <p:custDataLst>
-      <p:tags r:id="rId1"/>
+      <p:tags r:id="rId2"/>
     </p:custDataLst>
   </p:cSld>
   <p:clrMapOvr>
@@ -11348,6 +11160,650 @@
           <a:bodyPr/>
           <a:p>
             <a:r>
+              <a:rPr lang="zh-CN" altLang="zh-CN"/>
+              <a:t>中心化与去中心化</a:t>
+            </a:r>
+            <a:endParaRPr lang="zh-CN" altLang="zh-CN"/>
+          </a:p>
+        </p:txBody>
+      </p:sp>
+      <p:graphicFrame>
+        <p:nvGraphicFramePr>
+          <p:cNvPr id="0" name="表格 -1"/>
+          <p:cNvGraphicFramePr/>
+          <p:nvPr/>
+        </p:nvGraphicFramePr>
+        <p:xfrm>
+          <a:off x="419100" y="932180"/>
+          <a:ext cx="8292465" cy="5351145"/>
+        </p:xfrm>
+        <a:graphic>
+          <a:graphicData uri="http://schemas.openxmlformats.org/drawingml/2006/table">
+            <a:tbl>
+              <a:tblPr firstRow="1" bandRow="1">
+                <a:tableStyleId>{85BE263C-DBD7-4A20-BB59-AAB30ACAA65A}</a:tableStyleId>
+              </a:tblPr>
+              <a:tblGrid>
+                <a:gridCol w="1061085"/>
+                <a:gridCol w="3140075"/>
+                <a:gridCol w="4091305"/>
+              </a:tblGrid>
+              <a:tr h="436245">
+                <a:tc>
+                  <a:txBody>
+                    <a:bodyPr/>
+                    <a:p>
+                      <a:pPr indent="0">
+                        <a:buNone/>
+                      </a:pPr>
+                      <a:r>
+                        <a:rPr lang="zh-CN" altLang="en-US" sz="1200"/>
+                        <a:t>网络拓扑</a:t>
+                      </a:r>
+                      <a:endParaRPr lang="zh-CN" altLang="en-US" sz="1200"/>
+                    </a:p>
+                  </a:txBody>
+                  <a:tcPr marL="0" marR="0" marT="0" marB="0" vert="horz" anchor="ctr"/>
+                </a:tc>
+                <a:tc>
+                  <a:txBody>
+                    <a:bodyPr/>
+                    <a:p>
+                      <a:pPr indent="0">
+                        <a:buNone/>
+                      </a:pPr>
+                      <a:r>
+                        <a:rPr lang="zh-CN" altLang="en-US" sz="1200"/>
+                        <a:t>中心化</a:t>
+                      </a:r>
+                      <a:r>
+                        <a:rPr lang="en-US" altLang="zh-CN" sz="1200"/>
+                        <a:t>C/S</a:t>
+                      </a:r>
+                      <a:endParaRPr lang="en-US" altLang="zh-CN" sz="1200"/>
+                    </a:p>
+                    <a:p>
+                      <a:pPr indent="0">
+                        <a:buNone/>
+                      </a:pPr>
+                      <a:r>
+                        <a:rPr lang="en-US" altLang="zh-CN" sz="1200"/>
+                        <a:t>Centralization</a:t>
+                      </a:r>
+                      <a:endParaRPr lang="en-US" altLang="zh-CN" sz="1200"/>
+                    </a:p>
+                  </a:txBody>
+                  <a:tcPr marL="0" marR="0" marT="0" marB="0" vert="horz" anchor="ctr"/>
+                </a:tc>
+                <a:tc>
+                  <a:txBody>
+                    <a:bodyPr/>
+                    <a:p>
+                      <a:pPr indent="0">
+                        <a:buNone/>
+                      </a:pPr>
+                      <a:r>
+                        <a:rPr lang="zh-CN" altLang="en-US" sz="1200"/>
+                        <a:t>去中心化</a:t>
+                      </a:r>
+                      <a:r>
+                        <a:rPr lang="en-US" altLang="zh-CN" sz="1200"/>
+                        <a:t>P2P</a:t>
+                      </a:r>
+                      <a:endParaRPr lang="en-US" altLang="zh-CN" sz="1200"/>
+                    </a:p>
+                    <a:p>
+                      <a:pPr indent="0">
+                        <a:buNone/>
+                      </a:pPr>
+                      <a:r>
+                        <a:rPr lang="en-US" altLang="zh-CN" sz="1200"/>
+                        <a:t>Decentralization</a:t>
+                      </a:r>
+                      <a:endParaRPr lang="en-US" altLang="zh-CN" sz="1200"/>
+                    </a:p>
+                  </a:txBody>
+                  <a:tcPr marL="0" marR="0" marT="0" marB="0" vert="horz" anchor="ctr"/>
+                </a:tc>
+              </a:tr>
+              <a:tr h="663575">
+                <a:tc>
+                  <a:txBody>
+                    <a:bodyPr/>
+                    <a:p>
+                      <a:pPr indent="0">
+                        <a:buNone/>
+                      </a:pPr>
+                      <a:r>
+                        <a:rPr lang="zh-CN" altLang="en-US" sz="1200"/>
+                        <a:t>特点</a:t>
+                      </a:r>
+                      <a:endParaRPr lang="zh-CN" altLang="en-US" sz="1200"/>
+                    </a:p>
+                  </a:txBody>
+                  <a:tcPr marL="0" marR="0" marT="0" marB="0" vert="horz" anchor="ctr"/>
+                </a:tc>
+                <a:tc>
+                  <a:txBody>
+                    <a:bodyPr/>
+                    <a:p>
+                      <a:pPr indent="0">
+                        <a:buNone/>
+                      </a:pPr>
+                      <a:r>
+                        <a:rPr lang="zh-CN" altLang="en-US" sz="1200"/>
+                        <a:t>集权、单点、管理</a:t>
+                      </a:r>
+                      <a:endParaRPr lang="zh-CN" altLang="en-US" sz="1200"/>
+                    </a:p>
+                    <a:p>
+                      <a:pPr indent="0">
+                        <a:buNone/>
+                      </a:pPr>
+                      <a:r>
+                        <a:rPr lang="zh-CN" altLang="en-US" sz="1200"/>
+                        <a:t>一个或一组高性能的服务器控制着资源</a:t>
+                      </a:r>
+                      <a:endParaRPr lang="zh-CN" altLang="en-US" sz="1200"/>
+                    </a:p>
+                  </a:txBody>
+                  <a:tcPr marL="0" marR="0" marT="0" marB="0" vert="horz" anchor="t"/>
+                </a:tc>
+                <a:tc>
+                  <a:txBody>
+                    <a:bodyPr/>
+                    <a:p>
+                      <a:pPr indent="0">
+                        <a:buNone/>
+                      </a:pPr>
+                      <a:r>
+                        <a:rPr lang="zh-CN" altLang="en-US" sz="1200"/>
+                        <a:t>分权、共享、协同</a:t>
+                      </a:r>
+                      <a:endParaRPr lang="zh-CN" altLang="en-US" sz="1200"/>
+                    </a:p>
+                    <a:p>
+                      <a:pPr indent="0">
+                        <a:buNone/>
+                      </a:pPr>
+                      <a:r>
+                        <a:rPr lang="zh-CN" altLang="en-US" sz="1200"/>
+                        <a:t>每个节点或多数节点都能控制着资源</a:t>
+                      </a:r>
+                      <a:endParaRPr lang="zh-CN" altLang="en-US" sz="1200"/>
+                    </a:p>
+                  </a:txBody>
+                  <a:tcPr marL="0" marR="0" marT="0" marB="0" vert="horz" anchor="t"/>
+                </a:tc>
+              </a:tr>
+              <a:tr h="654050">
+                <a:tc>
+                  <a:txBody>
+                    <a:bodyPr/>
+                    <a:p>
+                      <a:pPr indent="0">
+                        <a:buNone/>
+                      </a:pPr>
+                      <a:r>
+                        <a:rPr lang="zh-CN" altLang="en-US" sz="1200"/>
+                        <a:t>研究重点：</a:t>
+                      </a:r>
+                      <a:endParaRPr lang="zh-CN" altLang="en-US" sz="1200"/>
+                    </a:p>
+                  </a:txBody>
+                  <a:tcPr marL="0" marR="0" marT="0" marB="0" vert="horz" anchor="ctr"/>
+                </a:tc>
+                <a:tc>
+                  <a:txBody>
+                    <a:bodyPr/>
+                    <a:p>
+                      <a:pPr indent="0">
+                        <a:buNone/>
+                      </a:pPr>
+                      <a:endParaRPr lang="zh-CN" altLang="en-US" sz="1200"/>
+                    </a:p>
+                  </a:txBody>
+                  <a:tcPr marL="0" marR="0" marT="0" marB="0" vert="horz" anchor="t"/>
+                </a:tc>
+                <a:tc>
+                  <a:txBody>
+                    <a:bodyPr/>
+                    <a:p>
+                      <a:pPr indent="0">
+                        <a:buNone/>
+                      </a:pPr>
+                      <a:r>
+                        <a:rPr lang="zh-CN" altLang="en-US" sz="1200"/>
+                        <a:t>路由</a:t>
+                      </a:r>
+                      <a:r>
+                        <a:rPr lang="en-US" altLang="zh-CN" sz="1200"/>
+                        <a:t>(</a:t>
+                      </a:r>
+                      <a:r>
+                        <a:rPr lang="zh-CN" altLang="en-US" sz="1200"/>
+                        <a:t>索引</a:t>
+                      </a:r>
+                      <a:r>
+                        <a:rPr lang="en-US" altLang="zh-CN" sz="1200"/>
+                        <a:t>)</a:t>
+                      </a:r>
+                      <a:r>
+                        <a:rPr lang="zh-CN" altLang="en-US" sz="1200"/>
+                        <a:t>：如何发现网络，</a:t>
+                      </a:r>
+                      <a:r>
+                        <a:rPr lang="en-US" altLang="zh-CN" sz="1200"/>
+                        <a:t>ping-pong</a:t>
+                      </a:r>
+                      <a:endParaRPr lang="en-US" altLang="zh-CN" sz="1200"/>
+                    </a:p>
+                    <a:p>
+                      <a:pPr indent="0">
+                        <a:buNone/>
+                      </a:pPr>
+                      <a:r>
+                        <a:rPr lang="zh-CN" altLang="en-US" sz="1200"/>
+                        <a:t>搜索：如何在网络中查找资源，</a:t>
+                      </a:r>
+                      <a:r>
+                        <a:rPr lang="en-US" altLang="zh-CN" sz="1200"/>
+                        <a:t>query-queryhit</a:t>
+                      </a:r>
+                      <a:endParaRPr lang="en-US" altLang="zh-CN" sz="1200"/>
+                    </a:p>
+                    <a:p>
+                      <a:pPr indent="0">
+                        <a:buNone/>
+                      </a:pPr>
+                      <a:r>
+                        <a:rPr lang="zh-CN" altLang="en-US" sz="1200"/>
+                        <a:t>共享：如何把自己的资源列表分享出去，</a:t>
+                      </a:r>
+                      <a:r>
+                        <a:rPr lang="en-US" altLang="zh-CN" sz="1200"/>
+                        <a:t>push</a:t>
+                      </a:r>
+                      <a:endParaRPr lang="en-US" altLang="zh-CN" sz="1200"/>
+                    </a:p>
+                  </a:txBody>
+                  <a:tcPr marL="0" marR="0" marT="0" marB="0" vert="horz" anchor="t"/>
+                </a:tc>
+              </a:tr>
+              <a:tr h="1635125">
+                <a:tc>
+                  <a:txBody>
+                    <a:bodyPr/>
+                    <a:p>
+                      <a:pPr indent="0">
+                        <a:buNone/>
+                      </a:pPr>
+                      <a:r>
+                        <a:rPr lang="zh-CN" altLang="en-US" sz="1200"/>
+                        <a:t>典型例子</a:t>
+                      </a:r>
+                      <a:r>
+                        <a:rPr lang="en-US" altLang="zh-CN" sz="1200"/>
+                        <a:t>1</a:t>
+                      </a:r>
+                      <a:endParaRPr lang="en-US" altLang="zh-CN" sz="1200"/>
+                    </a:p>
+                  </a:txBody>
+                  <a:tcPr marL="0" marR="0" marT="0" marB="0" vert="horz" anchor="ctr"/>
+                </a:tc>
+                <a:tc>
+                  <a:txBody>
+                    <a:bodyPr/>
+                    <a:p>
+                      <a:pPr indent="0">
+                        <a:buNone/>
+                      </a:pPr>
+                      <a:r>
+                        <a:rPr lang="zh-CN" altLang="en-US" sz="1200"/>
+                        <a:t>银行，支付宝，微信；</a:t>
+                      </a:r>
+                      <a:endParaRPr lang="zh-CN" altLang="en-US" sz="1200"/>
+                    </a:p>
+                    <a:p>
+                      <a:pPr indent="0">
+                        <a:buNone/>
+                      </a:pPr>
+                      <a:endParaRPr lang="zh-CN" altLang="en-US" sz="1200"/>
+                    </a:p>
+                    <a:p>
+                      <a:pPr indent="0">
+                        <a:buNone/>
+                      </a:pPr>
+                      <a:r>
+                        <a:rPr lang="zh-CN" altLang="en-US" sz="1200"/>
+                        <a:t>支付的实际操作是用户通知中心机构，划去存储在银行账目上的一笔记录，再在收款人的账目上增添一笔记录</a:t>
+                      </a:r>
+                      <a:endParaRPr lang="zh-CN" altLang="en-US" sz="1200"/>
+                    </a:p>
+                  </a:txBody>
+                  <a:tcPr marL="0" marR="0" marT="0" marB="0" vert="horz" anchor="t"/>
+                </a:tc>
+                <a:tc>
+                  <a:txBody>
+                    <a:bodyPr/>
+                    <a:p>
+                      <a:pPr indent="0">
+                        <a:buNone/>
+                      </a:pPr>
+                      <a:r>
+                        <a:rPr lang="zh-CN" altLang="en-US" sz="1200"/>
+                        <a:t>比特币；</a:t>
+                      </a:r>
+                      <a:endParaRPr lang="zh-CN" altLang="en-US" sz="1200"/>
+                    </a:p>
+                    <a:p>
+                      <a:pPr indent="0">
+                        <a:buNone/>
+                      </a:pPr>
+                      <a:endParaRPr lang="zh-CN" altLang="en-US" sz="1200"/>
+                    </a:p>
+                    <a:p>
+                      <a:pPr indent="0">
+                        <a:buNone/>
+                      </a:pPr>
+                      <a:r>
+                        <a:rPr lang="zh-CN" altLang="en-US" sz="1200"/>
+                        <a:t>支付时乔治只需要向比特币网络的任意节点广播这笔支付。</a:t>
+                      </a:r>
+                      <a:endParaRPr lang="zh-CN" altLang="en-US" sz="1200"/>
+                    </a:p>
+                    <a:p>
+                      <a:pPr indent="0">
+                        <a:buNone/>
+                      </a:pPr>
+                      <a:r>
+                        <a:rPr lang="zh-CN" altLang="en-US" sz="1200"/>
+                        <a:t>比特币网络各个节点是对等的，它们最终会对如何记录乔治的</a:t>
+                      </a:r>
+                      <a:endParaRPr lang="zh-CN" altLang="en-US" sz="1200"/>
+                    </a:p>
+                    <a:p>
+                      <a:pPr indent="0">
+                        <a:buNone/>
+                      </a:pPr>
+                      <a:r>
+                        <a:rPr lang="zh-CN" altLang="en-US" sz="1200"/>
+                        <a:t>支付达成共识，将这笔记录记入一个公共的公开账本。</a:t>
+                      </a:r>
+                      <a:endParaRPr lang="zh-CN" altLang="en-US" sz="1200"/>
+                    </a:p>
+                  </a:txBody>
+                  <a:tcPr marL="0" marR="0" marT="0" marB="0" vert="horz" anchor="t"/>
+                </a:tc>
+              </a:tr>
+              <a:tr h="654050">
+                <a:tc>
+                  <a:txBody>
+                    <a:bodyPr/>
+                    <a:p>
+                      <a:pPr indent="0">
+                        <a:buNone/>
+                      </a:pPr>
+                      <a:r>
+                        <a:rPr lang="zh-CN" altLang="en-US" sz="1200"/>
+                        <a:t>典型例子</a:t>
+                      </a:r>
+                      <a:r>
+                        <a:rPr lang="en-US" altLang="zh-CN" sz="1200"/>
+                        <a:t>2</a:t>
+                      </a:r>
+                      <a:endParaRPr lang="en-US" altLang="zh-CN" sz="1200"/>
+                    </a:p>
+                  </a:txBody>
+                  <a:tcPr marL="0" marR="0" marT="0" marB="0" vert="horz" anchor="ctr"/>
+                </a:tc>
+                <a:tc>
+                  <a:txBody>
+                    <a:bodyPr/>
+                    <a:p>
+                      <a:pPr indent="0">
+                        <a:buNone/>
+                      </a:pPr>
+                      <a:r>
+                        <a:rPr lang="zh-CN" altLang="en-US" sz="1200"/>
+                        <a:t>传统的门户网网站</a:t>
+                      </a:r>
+                      <a:endParaRPr lang="zh-CN" altLang="en-US" sz="1200"/>
+                    </a:p>
+                    <a:p>
+                      <a:pPr indent="0">
+                        <a:buNone/>
+                      </a:pPr>
+                      <a:r>
+                        <a:rPr lang="zh-CN" altLang="en-US" sz="1200"/>
+                        <a:t>只有专业机构才能授权发布内容</a:t>
+                      </a:r>
+                      <a:endParaRPr lang="zh-CN" altLang="en-US" sz="1200"/>
+                    </a:p>
+                  </a:txBody>
+                  <a:tcPr marL="0" marR="0" marT="0" marB="0" vert="horz" anchor="t"/>
+                </a:tc>
+                <a:tc>
+                  <a:txBody>
+                    <a:bodyPr/>
+                    <a:p>
+                      <a:pPr indent="0">
+                        <a:buNone/>
+                      </a:pPr>
+                      <a:r>
+                        <a:rPr lang="zh-CN" altLang="en-US" sz="1200"/>
+                        <a:t>微博</a:t>
+                      </a:r>
+                      <a:endParaRPr lang="zh-CN" altLang="en-US" sz="1200"/>
+                    </a:p>
+                    <a:p>
+                      <a:pPr indent="0">
+                        <a:buNone/>
+                      </a:pPr>
+                      <a:r>
+                        <a:rPr lang="zh-CN" altLang="en-US" sz="1200"/>
+                        <a:t>人人都能发布内容</a:t>
+                      </a:r>
+                      <a:endParaRPr lang="zh-CN" altLang="en-US" sz="1200"/>
+                    </a:p>
+                  </a:txBody>
+                  <a:tcPr marL="0" marR="0" marT="0" marB="0" vert="horz" anchor="t"/>
+                </a:tc>
+              </a:tr>
+              <a:tr h="654050">
+                <a:tc>
+                  <a:txBody>
+                    <a:bodyPr/>
+                    <a:p>
+                      <a:pPr indent="0">
+                        <a:buNone/>
+                      </a:pPr>
+                      <a:r>
+                        <a:rPr lang="zh-CN" altLang="en-US" sz="1200"/>
+                        <a:t>优点</a:t>
+                      </a:r>
+                      <a:endParaRPr lang="zh-CN" altLang="en-US" sz="1200"/>
+                    </a:p>
+                  </a:txBody>
+                  <a:tcPr marL="0" marR="0" marT="0" marB="0" vert="horz" anchor="ctr"/>
+                </a:tc>
+                <a:tc>
+                  <a:txBody>
+                    <a:bodyPr/>
+                    <a:p>
+                      <a:pPr indent="0">
+                        <a:buNone/>
+                      </a:pPr>
+                      <a:endParaRPr lang="zh-CN" altLang="en-US" sz="1200"/>
+                    </a:p>
+                  </a:txBody>
+                  <a:tcPr marL="0" marR="0" marT="0" marB="0" vert="horz" anchor="t"/>
+                </a:tc>
+                <a:tc>
+                  <a:txBody>
+                    <a:bodyPr/>
+                    <a:p>
+                      <a:pPr indent="0">
+                        <a:buNone/>
+                      </a:pPr>
+                      <a:r>
+                        <a:rPr lang="zh-CN" altLang="en-US" sz="1200"/>
+                        <a:t>数据成本控制低</a:t>
+                      </a:r>
+                      <a:endParaRPr lang="zh-CN" altLang="en-US" sz="1200"/>
+                    </a:p>
+                    <a:p>
+                      <a:pPr indent="0">
+                        <a:buNone/>
+                      </a:pPr>
+                      <a:r>
+                        <a:rPr lang="zh-CN" altLang="en-US" sz="1200"/>
+                        <a:t>数据及时性好</a:t>
+                      </a:r>
+                      <a:endParaRPr lang="zh-CN" altLang="en-US" sz="1200"/>
+                    </a:p>
+                    <a:p>
+                      <a:pPr indent="0">
+                        <a:buNone/>
+                      </a:pPr>
+                      <a:r>
+                        <a:rPr lang="zh-CN" altLang="en-US" sz="1200"/>
+                        <a:t>资源利用率高</a:t>
+                      </a:r>
+                      <a:endParaRPr lang="zh-CN" altLang="en-US" sz="1200"/>
+                    </a:p>
+                  </a:txBody>
+                  <a:tcPr marL="0" marR="0" marT="0" marB="0" vert="horz" anchor="t"/>
+                </a:tc>
+              </a:tr>
+              <a:tr h="654050">
+                <a:tc>
+                  <a:txBody>
+                    <a:bodyPr/>
+                    <a:p>
+                      <a:pPr indent="0">
+                        <a:buNone/>
+                      </a:pPr>
+                      <a:r>
+                        <a:rPr lang="zh-CN" altLang="en-US" sz="1200"/>
+                        <a:t>缺点</a:t>
+                      </a:r>
+                      <a:endParaRPr lang="zh-CN" altLang="en-US" sz="1200"/>
+                    </a:p>
+                  </a:txBody>
+                  <a:tcPr marL="0" marR="0" marT="0" marB="0" vert="horz" anchor="ctr"/>
+                </a:tc>
+                <a:tc>
+                  <a:txBody>
+                    <a:bodyPr/>
+                    <a:p>
+                      <a:pPr indent="0">
+                        <a:buNone/>
+                      </a:pPr>
+                      <a:r>
+                        <a:rPr lang="zh-CN" altLang="en-US" sz="1200"/>
+                        <a:t>可扩展性差</a:t>
+                      </a:r>
+                      <a:endParaRPr lang="zh-CN" altLang="en-US" sz="1200"/>
+                    </a:p>
+                    <a:p>
+                      <a:pPr indent="0">
+                        <a:buNone/>
+                      </a:pPr>
+                      <a:r>
+                        <a:rPr lang="zh-CN" altLang="en-US" sz="1200"/>
+                        <a:t>单点失效</a:t>
+                      </a:r>
+                      <a:endParaRPr lang="zh-CN" altLang="en-US" sz="1200"/>
+                    </a:p>
+                    <a:p>
+                      <a:pPr indent="0">
+                        <a:buNone/>
+                      </a:pPr>
+                      <a:r>
+                        <a:rPr lang="zh-CN" altLang="en-US" sz="1200"/>
+                        <a:t>不能有效抵抗</a:t>
+                      </a:r>
+                      <a:r>
+                        <a:rPr lang="en-US" altLang="zh-CN" sz="1200"/>
+                        <a:t>DDOS</a:t>
+                      </a:r>
+                      <a:r>
+                        <a:rPr lang="zh-CN" altLang="en-US" sz="1200"/>
+                        <a:t>攻击</a:t>
+                      </a:r>
+                      <a:endParaRPr lang="zh-CN" altLang="en-US" sz="1200"/>
+                    </a:p>
+                  </a:txBody>
+                  <a:tcPr marL="0" marR="0" marT="0" marB="0" vert="horz" anchor="t"/>
+                </a:tc>
+                <a:tc>
+                  <a:txBody>
+                    <a:bodyPr/>
+                    <a:p>
+                      <a:pPr indent="0">
+                        <a:buNone/>
+                      </a:pPr>
+                      <a:r>
+                        <a:rPr lang="zh-CN" altLang="en-US" sz="1200"/>
+                        <a:t>不易管理，</a:t>
+                      </a:r>
+                      <a:endParaRPr lang="zh-CN" altLang="en-US" sz="1200"/>
+                    </a:p>
+                    <a:p>
+                      <a:pPr indent="0">
+                        <a:buNone/>
+                      </a:pPr>
+                      <a:r>
+                        <a:rPr lang="zh-CN" altLang="en-US" sz="1200"/>
+                        <a:t>数据的合法性不能保证，</a:t>
+                      </a:r>
+                      <a:endParaRPr lang="zh-CN" altLang="en-US" sz="1200"/>
+                    </a:p>
+                  </a:txBody>
+                  <a:tcPr marL="0" marR="0" marT="0" marB="0" vert="horz" anchor="t"/>
+                </a:tc>
+              </a:tr>
+            </a:tbl>
+          </a:graphicData>
+        </a:graphic>
+      </p:graphicFrame>
+    </p:spTree>
+    <p:custDataLst>
+      <p:tags r:id="rId1"/>
+    </p:custDataLst>
+  </p:cSld>
+  <p:clrMapOvr>
+    <a:masterClrMapping/>
+  </p:clrMapOvr>
+</p:sld>
+</file>
+
+<file path=ppt/slides/slide4.xml><?xml version="1.0" encoding="utf-8"?>
+<p:sld xmlns:a="http://schemas.openxmlformats.org/drawingml/2006/main" xmlns:r="http://schemas.openxmlformats.org/officeDocument/2006/relationships" xmlns:p="http://schemas.openxmlformats.org/presentationml/2006/main">
+  <p:cSld>
+    <p:spTree>
+      <p:nvGrpSpPr>
+        <p:cNvPr id="1" name=""/>
+        <p:cNvGrpSpPr/>
+        <p:nvPr/>
+      </p:nvGrpSpPr>
+      <p:grpSpPr/>
+      <p:sp>
+        <p:nvSpPr>
+          <p:cNvPr id="2" name="标题 1"/>
+          <p:cNvSpPr>
+            <a:spLocks noGrp="1"/>
+          </p:cNvSpPr>
+          <p:nvPr>
+            <p:ph type="title"/>
+          </p:nvPr>
+        </p:nvSpPr>
+        <p:spPr/>
+        <p:txBody>
+          <a:bodyPr/>
+          <a:p>
+            <a:r>
               <a:rPr lang="zh-CN" altLang="en-US"/>
               <a:t>选举</a:t>
             </a:r>
@@ -11407,7 +11863,7 @@
 </p:sld>
 </file>
 
-<file path=ppt/slides/slide4.xml><?xml version="1.0" encoding="utf-8"?>
+<file path=ppt/slides/slide5.xml><?xml version="1.0" encoding="utf-8"?>
 <p:sld xmlns:a="http://schemas.openxmlformats.org/drawingml/2006/main" xmlns:r="http://schemas.openxmlformats.org/officeDocument/2006/relationships" xmlns:p="http://schemas.openxmlformats.org/presentationml/2006/main">
   <p:cSld>
     <p:spTree>
@@ -11684,25 +12140,6 @@
 
 <file path=ppt/tags/tag3.xml><?xml version="1.0" encoding="utf-8"?>
 <p:tagLst xmlns:p="http://schemas.openxmlformats.org/presentationml/2006/main">
-  <p:tag name="KSO_WM_TAG_VERSION" val="1.0"/>
-  <p:tag name="KSO_WM_BEAUTIFY_FLAG" val="#wm#"/>
-  <p:tag name="KSO_WM_TEMPLATE_CATEGORY" val="custom"/>
-  <p:tag name="KSO_WM_TEMPLATE_INDEX" val="185"/>
-  <p:tag name="KSO_WM_UNIT_TYPE" val="f"/>
-  <p:tag name="KSO_WM_UNIT_INDEX" val="1"/>
-  <p:tag name="KSO_WM_UNIT_ID" val="custom185_27*f*1"/>
-  <p:tag name="KSO_WM_UNIT_CLEAR" val="1"/>
-  <p:tag name="KSO_WM_UNIT_LAYERLEVEL" val="1"/>
-  <p:tag name="KSO_WM_UNIT_VALUE" val="216"/>
-  <p:tag name="KSO_WM_UNIT_HIGHLIGHT" val="0"/>
-  <p:tag name="KSO_WM_UNIT_COMPATIBLE" val="0"/>
-  <p:tag name="KSO_WM_UNIT_PRESET_TEXT_INDEX" val="5"/>
-  <p:tag name="KSO_WM_UNIT_PRESET_TEXT_LEN" val="232"/>
-</p:tagLst>
-</file>
-
-<file path=ppt/tags/tag4.xml><?xml version="1.0" encoding="utf-8"?>
-<p:tagLst xmlns:p="http://schemas.openxmlformats.org/presentationml/2006/main">
   <p:tag name="KSO_WM_TEMPLATE_CATEGORY" val="custom"/>
   <p:tag name="KSO_WM_TEMPLATE_INDEX" val="185"/>
   <p:tag name="KSO_WM_TAG_VERSION" val="1.0"/>
@@ -11721,6 +12158,14 @@
   <p:tag name="MH_LAYOUT" val="Desc"/>
   <p:tag name="MH" val="20151028110923"/>
   <p:tag name="MH_LIBRARY" val="GRAPHIC"/>
+</p:tagLst>
+</file>
+
+<file path=ppt/tags/tag4.xml><?xml version="1.0" encoding="utf-8"?>
+<p:tagLst xmlns:p="http://schemas.openxmlformats.org/presentationml/2006/main">
+  <p:tag name="KSO_WM_BEAUTIFY_FLAG" val="#wm#"/>
+  <p:tag name="KSO_WM_TEMPLATE_CATEGORY" val="custom"/>
+  <p:tag name="KSO_WM_TEMPLATE_INDEX" val="185"/>
 </p:tagLst>
 </file>
 

--- a/第八篇_分布式系统.pptx
+++ b/第八篇_分布式系统.pptx
@@ -7,14 +7,15 @@
     <p:sldMasterId id="2147483672" r:id="rId4"/>
   </p:sldMasterIdLst>
   <p:notesMasterIdLst>
-    <p:notesMasterId r:id="rId10"/>
+    <p:notesMasterId r:id="rId11"/>
   </p:notesMasterIdLst>
   <p:sldIdLst>
     <p:sldId id="615" r:id="rId5"/>
     <p:sldId id="621" r:id="rId6"/>
-    <p:sldId id="618" r:id="rId7"/>
-    <p:sldId id="617" r:id="rId8"/>
-    <p:sldId id="616" r:id="rId9"/>
+    <p:sldId id="625" r:id="rId7"/>
+    <p:sldId id="618" r:id="rId8"/>
+    <p:sldId id="617" r:id="rId9"/>
+    <p:sldId id="616" r:id="rId10"/>
   </p:sldIdLst>
   <p:sldSz cx="9144000" cy="6858000" type="screen4x3"/>
   <p:notesSz cx="6858000" cy="9144000"/>
@@ -11136,6 +11137,69 @@
 </file>
 
 <file path=ppt/slides/slide3.xml><?xml version="1.0" encoding="utf-8"?>
+<p:sld xmlns:a="http://schemas.openxmlformats.org/drawingml/2006/main" xmlns:r="http://schemas.openxmlformats.org/officeDocument/2006/relationships" xmlns:p="http://schemas.openxmlformats.org/presentationml/2006/main">
+  <p:cSld>
+    <p:spTree>
+      <p:nvGrpSpPr>
+        <p:cNvPr id="1" name=""/>
+        <p:cNvGrpSpPr/>
+        <p:nvPr/>
+      </p:nvGrpSpPr>
+      <p:grpSpPr/>
+      <p:sp>
+        <p:nvSpPr>
+          <p:cNvPr id="2" name="标题 1"/>
+          <p:cNvSpPr>
+            <a:spLocks noGrp="1"/>
+          </p:cNvSpPr>
+          <p:nvPr>
+            <p:ph type="title"/>
+          </p:nvPr>
+        </p:nvSpPr>
+        <p:spPr/>
+        <p:txBody>
+          <a:bodyPr/>
+          <a:p>
+            <a:endParaRPr lang="zh-CN" altLang="en-US"/>
+          </a:p>
+        </p:txBody>
+      </p:sp>
+      <p:pic>
+        <p:nvPicPr>
+          <p:cNvPr id="5" name="图片 4"/>
+          <p:cNvPicPr>
+            <a:picLocks noChangeAspect="1"/>
+          </p:cNvPicPr>
+          <p:nvPr/>
+        </p:nvPicPr>
+        <p:blipFill>
+          <a:blip r:embed="rId1"/>
+          <a:stretch>
+            <a:fillRect/>
+          </a:stretch>
+        </p:blipFill>
+        <p:spPr>
+          <a:xfrm>
+            <a:off x="-6985" y="-175260"/>
+            <a:ext cx="9084310" cy="6609715"/>
+          </a:xfrm>
+          <a:prstGeom prst="rect">
+            <a:avLst/>
+          </a:prstGeom>
+        </p:spPr>
+      </p:pic>
+    </p:spTree>
+    <p:custDataLst>
+      <p:tags r:id="rId2"/>
+    </p:custDataLst>
+  </p:cSld>
+  <p:clrMapOvr>
+    <a:masterClrMapping/>
+  </p:clrMapOvr>
+</p:sld>
+</file>
+
+<file path=ppt/slides/slide4.xml><?xml version="1.0" encoding="utf-8"?>
 <p:sld xmlns:a="http://schemas.openxmlformats.org/drawingml/2006/main" xmlns:r="http://schemas.openxmlformats.org/officeDocument/2006/relationships" xmlns:p="http://schemas.openxmlformats.org/presentationml/2006/main">
   <p:cSld>
     <p:spTree>
@@ -11779,7 +11843,7 @@
 </p:sld>
 </file>
 
-<file path=ppt/slides/slide4.xml><?xml version="1.0" encoding="utf-8"?>
+<file path=ppt/slides/slide5.xml><?xml version="1.0" encoding="utf-8"?>
 <p:sld xmlns:a="http://schemas.openxmlformats.org/drawingml/2006/main" xmlns:r="http://schemas.openxmlformats.org/officeDocument/2006/relationships" xmlns:p="http://schemas.openxmlformats.org/presentationml/2006/main">
   <p:cSld>
     <p:spTree>
@@ -11863,7 +11927,7 @@
 </p:sld>
 </file>
 
-<file path=ppt/slides/slide5.xml><?xml version="1.0" encoding="utf-8"?>
+<file path=ppt/slides/slide6.xml><?xml version="1.0" encoding="utf-8"?>
 <p:sld xmlns:a="http://schemas.openxmlformats.org/drawingml/2006/main" xmlns:r="http://schemas.openxmlformats.org/officeDocument/2006/relationships" xmlns:p="http://schemas.openxmlformats.org/presentationml/2006/main">
   <p:cSld>
     <p:spTree>
@@ -12179,12 +12243,20 @@
 
 <file path=ppt/tags/tag6.xml><?xml version="1.0" encoding="utf-8"?>
 <p:tagLst xmlns:p="http://schemas.openxmlformats.org/presentationml/2006/main">
+  <p:tag name="KSO_WM_BEAUTIFY_FLAG" val="#wm#"/>
   <p:tag name="KSO_WM_TEMPLATE_CATEGORY" val="custom"/>
   <p:tag name="KSO_WM_TEMPLATE_INDEX" val="185"/>
 </p:tagLst>
 </file>
 
 <file path=ppt/tags/tag7.xml><?xml version="1.0" encoding="utf-8"?>
+<p:tagLst xmlns:p="http://schemas.openxmlformats.org/presentationml/2006/main">
+  <p:tag name="KSO_WM_TEMPLATE_CATEGORY" val="custom"/>
+  <p:tag name="KSO_WM_TEMPLATE_INDEX" val="185"/>
+</p:tagLst>
+</file>
+
+<file path=ppt/tags/tag8.xml><?xml version="1.0" encoding="utf-8"?>
 <p:tagLst xmlns:p="http://schemas.openxmlformats.org/presentationml/2006/main">
   <p:tag name="KSO_WM_TEMPLATE_CATEGORY" val="custom"/>
   <p:tag name="KSO_WM_TEMPLATE_INDEX" val="185"/>

--- a/第八篇_分布式系统.pptx
+++ b/第八篇_分布式系统.pptx
@@ -7,15 +7,16 @@
     <p:sldMasterId id="2147483672" r:id="rId4"/>
   </p:sldMasterIdLst>
   <p:notesMasterIdLst>
-    <p:notesMasterId r:id="rId11"/>
+    <p:notesMasterId r:id="rId12"/>
   </p:notesMasterIdLst>
   <p:sldIdLst>
     <p:sldId id="615" r:id="rId5"/>
     <p:sldId id="621" r:id="rId6"/>
     <p:sldId id="625" r:id="rId7"/>
-    <p:sldId id="618" r:id="rId8"/>
-    <p:sldId id="617" r:id="rId9"/>
-    <p:sldId id="616" r:id="rId10"/>
+    <p:sldId id="626" r:id="rId8"/>
+    <p:sldId id="618" r:id="rId9"/>
+    <p:sldId id="617" r:id="rId10"/>
+    <p:sldId id="616" r:id="rId11"/>
   </p:sldIdLst>
   <p:sldSz cx="9144000" cy="6858000" type="screen4x3"/>
   <p:notesSz cx="6858000" cy="9144000"/>
@@ -11200,6 +11201,69 @@
 </file>
 
 <file path=ppt/slides/slide4.xml><?xml version="1.0" encoding="utf-8"?>
+<p:sld xmlns:a="http://schemas.openxmlformats.org/drawingml/2006/main" xmlns:r="http://schemas.openxmlformats.org/officeDocument/2006/relationships" xmlns:p="http://schemas.openxmlformats.org/presentationml/2006/main">
+  <p:cSld>
+    <p:spTree>
+      <p:nvGrpSpPr>
+        <p:cNvPr id="1" name=""/>
+        <p:cNvGrpSpPr/>
+        <p:nvPr/>
+      </p:nvGrpSpPr>
+      <p:grpSpPr/>
+      <p:sp>
+        <p:nvSpPr>
+          <p:cNvPr id="2" name="标题 1"/>
+          <p:cNvSpPr>
+            <a:spLocks noGrp="1"/>
+          </p:cNvSpPr>
+          <p:nvPr>
+            <p:ph type="title"/>
+          </p:nvPr>
+        </p:nvSpPr>
+        <p:spPr/>
+        <p:txBody>
+          <a:bodyPr/>
+          <a:p>
+            <a:endParaRPr lang="zh-CN" altLang="en-US"/>
+          </a:p>
+        </p:txBody>
+      </p:sp>
+      <p:pic>
+        <p:nvPicPr>
+          <p:cNvPr id="4" name="图片 3"/>
+          <p:cNvPicPr>
+            <a:picLocks noChangeAspect="1"/>
+          </p:cNvPicPr>
+          <p:nvPr/>
+        </p:nvPicPr>
+        <p:blipFill>
+          <a:blip r:embed="rId1"/>
+          <a:stretch>
+            <a:fillRect/>
+          </a:stretch>
+        </p:blipFill>
+        <p:spPr>
+          <a:xfrm>
+            <a:off x="160020" y="909320"/>
+            <a:ext cx="8809355" cy="4209415"/>
+          </a:xfrm>
+          <a:prstGeom prst="rect">
+            <a:avLst/>
+          </a:prstGeom>
+        </p:spPr>
+      </p:pic>
+    </p:spTree>
+    <p:custDataLst>
+      <p:tags r:id="rId2"/>
+    </p:custDataLst>
+  </p:cSld>
+  <p:clrMapOvr>
+    <a:masterClrMapping/>
+  </p:clrMapOvr>
+</p:sld>
+</file>
+
+<file path=ppt/slides/slide5.xml><?xml version="1.0" encoding="utf-8"?>
 <p:sld xmlns:a="http://schemas.openxmlformats.org/drawingml/2006/main" xmlns:r="http://schemas.openxmlformats.org/officeDocument/2006/relationships" xmlns:p="http://schemas.openxmlformats.org/presentationml/2006/main">
   <p:cSld>
     <p:spTree>
@@ -11843,7 +11907,7 @@
 </p:sld>
 </file>
 
-<file path=ppt/slides/slide5.xml><?xml version="1.0" encoding="utf-8"?>
+<file path=ppt/slides/slide6.xml><?xml version="1.0" encoding="utf-8"?>
 <p:sld xmlns:a="http://schemas.openxmlformats.org/drawingml/2006/main" xmlns:r="http://schemas.openxmlformats.org/officeDocument/2006/relationships" xmlns:p="http://schemas.openxmlformats.org/presentationml/2006/main">
   <p:cSld>
     <p:spTree>
@@ -11927,7 +11991,7 @@
 </p:sld>
 </file>
 
-<file path=ppt/slides/slide6.xml><?xml version="1.0" encoding="utf-8"?>
+<file path=ppt/slides/slide7.xml><?xml version="1.0" encoding="utf-8"?>
 <p:sld xmlns:a="http://schemas.openxmlformats.org/drawingml/2006/main" xmlns:r="http://schemas.openxmlformats.org/officeDocument/2006/relationships" xmlns:p="http://schemas.openxmlformats.org/presentationml/2006/main">
   <p:cSld>
     <p:spTree>
@@ -12251,12 +12315,20 @@
 
 <file path=ppt/tags/tag7.xml><?xml version="1.0" encoding="utf-8"?>
 <p:tagLst xmlns:p="http://schemas.openxmlformats.org/presentationml/2006/main">
+  <p:tag name="KSO_WM_BEAUTIFY_FLAG" val="#wm#"/>
   <p:tag name="KSO_WM_TEMPLATE_CATEGORY" val="custom"/>
   <p:tag name="KSO_WM_TEMPLATE_INDEX" val="185"/>
 </p:tagLst>
 </file>
 
 <file path=ppt/tags/tag8.xml><?xml version="1.0" encoding="utf-8"?>
+<p:tagLst xmlns:p="http://schemas.openxmlformats.org/presentationml/2006/main">
+  <p:tag name="KSO_WM_TEMPLATE_CATEGORY" val="custom"/>
+  <p:tag name="KSO_WM_TEMPLATE_INDEX" val="185"/>
+</p:tagLst>
+</file>
+
+<file path=ppt/tags/tag9.xml><?xml version="1.0" encoding="utf-8"?>
 <p:tagLst xmlns:p="http://schemas.openxmlformats.org/presentationml/2006/main">
   <p:tag name="KSO_WM_TEMPLATE_CATEGORY" val="custom"/>
   <p:tag name="KSO_WM_TEMPLATE_INDEX" val="185"/>
